--- a/DAY4/01 - TRANSFER LEARNING/Transfer Learning Lecture.pptx
+++ b/DAY4/01 - TRANSFER LEARNING/Transfer Learning Lecture.pptx
@@ -108,6 +108,11 @@
       </a:defRPr>
     </a:lvl9pPr>
   </p:defaultTextStyle>
+  <p:extLst>
+    <p:ext uri="{EFAFB233-063F-42B5-8137-9DF3F51BA10A}">
+      <p15:sldGuideLst xmlns:p15="http://schemas.microsoft.com/office/powerpoint/2012/main"/>
+    </p:ext>
+  </p:extLst>
 </p:presentation>
 </file>
 
@@ -260,7 +265,7 @@
           <a:p>
             <a:fld id="{A63B28DD-7452-CA47-BFDD-DC011BE5125A}" type="datetimeFigureOut">
               <a:rPr lang="en-CH" smtClean="0"/>
-              <a:t>13.01.2024</a:t>
+              <a:t>16.01.2024</a:t>
             </a:fld>
             <a:endParaRPr lang="en-CH"/>
           </a:p>
@@ -460,7 +465,7 @@
           <a:p>
             <a:fld id="{A63B28DD-7452-CA47-BFDD-DC011BE5125A}" type="datetimeFigureOut">
               <a:rPr lang="en-CH" smtClean="0"/>
-              <a:t>13.01.2024</a:t>
+              <a:t>16.01.2024</a:t>
             </a:fld>
             <a:endParaRPr lang="en-CH"/>
           </a:p>
@@ -670,7 +675,7 @@
           <a:p>
             <a:fld id="{A63B28DD-7452-CA47-BFDD-DC011BE5125A}" type="datetimeFigureOut">
               <a:rPr lang="en-CH" smtClean="0"/>
-              <a:t>13.01.2024</a:t>
+              <a:t>16.01.2024</a:t>
             </a:fld>
             <a:endParaRPr lang="en-CH"/>
           </a:p>
@@ -870,7 +875,7 @@
           <a:p>
             <a:fld id="{A63B28DD-7452-CA47-BFDD-DC011BE5125A}" type="datetimeFigureOut">
               <a:rPr lang="en-CH" smtClean="0"/>
-              <a:t>13.01.2024</a:t>
+              <a:t>16.01.2024</a:t>
             </a:fld>
             <a:endParaRPr lang="en-CH"/>
           </a:p>
@@ -1146,7 +1151,7 @@
           <a:p>
             <a:fld id="{A63B28DD-7452-CA47-BFDD-DC011BE5125A}" type="datetimeFigureOut">
               <a:rPr lang="en-CH" smtClean="0"/>
-              <a:t>13.01.2024</a:t>
+              <a:t>16.01.2024</a:t>
             </a:fld>
             <a:endParaRPr lang="en-CH"/>
           </a:p>
@@ -1414,7 +1419,7 @@
           <a:p>
             <a:fld id="{A63B28DD-7452-CA47-BFDD-DC011BE5125A}" type="datetimeFigureOut">
               <a:rPr lang="en-CH" smtClean="0"/>
-              <a:t>13.01.2024</a:t>
+              <a:t>16.01.2024</a:t>
             </a:fld>
             <a:endParaRPr lang="en-CH"/>
           </a:p>
@@ -1829,7 +1834,7 @@
           <a:p>
             <a:fld id="{A63B28DD-7452-CA47-BFDD-DC011BE5125A}" type="datetimeFigureOut">
               <a:rPr lang="en-CH" smtClean="0"/>
-              <a:t>13.01.2024</a:t>
+              <a:t>16.01.2024</a:t>
             </a:fld>
             <a:endParaRPr lang="en-CH"/>
           </a:p>
@@ -1971,7 +1976,7 @@
           <a:p>
             <a:fld id="{A63B28DD-7452-CA47-BFDD-DC011BE5125A}" type="datetimeFigureOut">
               <a:rPr lang="en-CH" smtClean="0"/>
-              <a:t>13.01.2024</a:t>
+              <a:t>16.01.2024</a:t>
             </a:fld>
             <a:endParaRPr lang="en-CH"/>
           </a:p>
@@ -2084,7 +2089,7 @@
           <a:p>
             <a:fld id="{A63B28DD-7452-CA47-BFDD-DC011BE5125A}" type="datetimeFigureOut">
               <a:rPr lang="en-CH" smtClean="0"/>
-              <a:t>13.01.2024</a:t>
+              <a:t>16.01.2024</a:t>
             </a:fld>
             <a:endParaRPr lang="en-CH"/>
           </a:p>
@@ -2397,7 +2402,7 @@
           <a:p>
             <a:fld id="{A63B28DD-7452-CA47-BFDD-DC011BE5125A}" type="datetimeFigureOut">
               <a:rPr lang="en-CH" smtClean="0"/>
-              <a:t>13.01.2024</a:t>
+              <a:t>16.01.2024</a:t>
             </a:fld>
             <a:endParaRPr lang="en-CH"/>
           </a:p>
@@ -2686,7 +2691,7 @@
           <a:p>
             <a:fld id="{A63B28DD-7452-CA47-BFDD-DC011BE5125A}" type="datetimeFigureOut">
               <a:rPr lang="en-CH" smtClean="0"/>
-              <a:t>13.01.2024</a:t>
+              <a:t>16.01.2024</a:t>
             </a:fld>
             <a:endParaRPr lang="en-CH"/>
           </a:p>
@@ -2929,7 +2934,7 @@
           <a:p>
             <a:fld id="{A63B28DD-7452-CA47-BFDD-DC011BE5125A}" type="datetimeFigureOut">
               <a:rPr lang="en-CH" smtClean="0"/>
-              <a:t>13.01.2024</a:t>
+              <a:t>16.01.2024</a:t>
             </a:fld>
             <a:endParaRPr lang="en-CH"/>
           </a:p>
@@ -4010,7 +4015,7 @@
         <p:spPr>
           <a:xfrm>
             <a:off x="8755618" y="4211948"/>
-            <a:ext cx="3027406" cy="1754326"/>
+            <a:ext cx="3027406" cy="1477328"/>
           </a:xfrm>
           <a:prstGeom prst="rect">
             <a:avLst/>
@@ -4024,11 +4029,11 @@
           <a:lstStyle/>
           <a:p>
             <a:r>
-              <a:rPr lang="en-GB">
+              <a:rPr lang="en-GB" dirty="0">
                 <a:latin typeface="Arial" panose="020B0604020202020204" pitchFamily="34" charset="0"/>
                 <a:cs typeface="Arial" panose="020B0604020202020204" pitchFamily="34" charset="0"/>
               </a:rPr>
-              <a:t>Bei diesem Ansatz muss das gesamte Netz mehrfach trainiert werden (zur Abstimmung der Hyperparameter). Dies kann langsam sein.</a:t>
+              <a:t>In this approach, the entire network has to be trained several times (to tune the hyperparameters). This can be slow.</a:t>
             </a:r>
           </a:p>
         </p:txBody>
@@ -4591,13 +4596,13 @@
           <a:lstStyle/>
           <a:p>
             <a:r>
-              <a:rPr lang="en-GB">
+              <a:rPr lang="en-GB" dirty="0">
                 <a:latin typeface="Arial" panose="020B0604020202020204" pitchFamily="34" charset="0"/>
                 <a:cs typeface="Arial" panose="020B0604020202020204" pitchFamily="34" charset="0"/>
               </a:rPr>
-              <a:t>Wir können das Transfer Learning effizienter machen.</a:t>
-            </a:r>
-            <a:endParaRPr lang="en-CH">
+              <a:t>We can make transfer learning more efficient.</a:t>
+            </a:r>
+            <a:endParaRPr lang="en-CH" dirty="0">
               <a:latin typeface="Arial" panose="020B0604020202020204" pitchFamily="34" charset="0"/>
               <a:cs typeface="Arial" panose="020B0604020202020204" pitchFamily="34" charset="0"/>
             </a:endParaRPr>
@@ -4737,13 +4742,13 @@
           <a:lstStyle/>
           <a:p>
             <a:r>
-              <a:rPr lang="en-GB">
+              <a:rPr lang="en-GB" dirty="0">
                 <a:latin typeface="Arial" panose="020B0604020202020204" pitchFamily="34" charset="0"/>
                 <a:cs typeface="Arial" panose="020B0604020202020204" pitchFamily="34" charset="0"/>
               </a:rPr>
-              <a:t>Ein paar Zahlen (wie man effizienter wird)</a:t>
-            </a:r>
-            <a:endParaRPr lang="en-CH">
+              <a:t>A few numbers (how to become more efficient)</a:t>
+            </a:r>
+            <a:endParaRPr lang="en-CH" dirty="0">
               <a:latin typeface="Arial" panose="020B0604020202020204" pitchFamily="34" charset="0"/>
               <a:cs typeface="Arial" panose="020B0604020202020204" pitchFamily="34" charset="0"/>
             </a:endParaRPr>
@@ -5114,21 +5119,18 @@
           <a:lstStyle/>
           <a:p>
             <a:r>
-              <a:rPr lang="en-GB" sz="1600"/>
-              <a:t>Die Zahlen stammen aus einem Test mit einem "Hund/Katze"-Bilddatensatz von etwa 800 MB. Alle Informationen finden Sie unter Michelucci, U. (2019). </a:t>
-            </a:r>
-            <a:r>
-              <a:rPr lang="en-GB" sz="1600" i="1"/>
-              <a:t>Advanced applied deep learning: convolutional neural networks and object detection</a:t>
-            </a:r>
-            <a:r>
-              <a:rPr lang="en-GB" sz="1600"/>
-              <a:t>. Apress.</a:t>
-            </a:r>
-            <a:r>
-              <a:rPr lang="en-CH" sz="1600"/>
-              <a:t> </a:t>
-            </a:r>
+              <a:rPr lang="en-GB" sz="1600" dirty="0"/>
+              <a:t>The numbers come from a test with a "dog/cat" image dataset of about 800 MB. All information can be found in Michelucci, U. (2019). Advanced applied deep learning: convolutional neural networks and object detection. </a:t>
+            </a:r>
+            <a:r>
+              <a:rPr lang="en-GB" sz="1600" dirty="0" err="1"/>
+              <a:t>Apress</a:t>
+            </a:r>
+            <a:r>
+              <a:rPr lang="en-GB" sz="1600" dirty="0"/>
+              <a:t>.</a:t>
+            </a:r>
+            <a:endParaRPr lang="en-CH" sz="1600" dirty="0"/>
           </a:p>
         </p:txBody>
       </p:sp>
